--- a/images/flowchart.pptx
+++ b/images/flowchart.pptx
@@ -10,7 +10,7 @@
   <p:sldIdLst>
     <p:sldId id="257" r:id="rId2"/>
   </p:sldIdLst>
-  <p:sldSz cx="10058400" cy="7315200"/>
+  <p:sldSz cx="7315200" cy="7315200"/>
   <p:notesSz cx="6858000" cy="9144000"/>
   <p:defaultTextStyle>
     <a:defPPr>
@@ -2802,8 +2802,8 @@
       </dsp:nvSpPr>
       <dsp:spPr>
         <a:xfrm>
-          <a:off x="1218960" y="404"/>
-          <a:ext cx="3743045" cy="1497218"/>
+          <a:off x="1428" y="704049"/>
+          <a:ext cx="2867025" cy="1146810"/>
         </a:xfrm>
         <a:prstGeom prst="chevron">
           <a:avLst/>
@@ -2844,12 +2844,12 @@
         </a:fontRef>
       </dsp:style>
       <dsp:txBody>
-        <a:bodyPr spcFirstLastPara="0" vert="horz" wrap="square" lIns="78740" tIns="39370" rIns="0" bIns="39370" numCol="1" spcCol="1270" anchor="ctr" anchorCtr="0">
+        <a:bodyPr spcFirstLastPara="0" vert="horz" wrap="square" lIns="59690" tIns="29845" rIns="0" bIns="29845" numCol="1" spcCol="1270" anchor="ctr" anchorCtr="0">
           <a:noAutofit/>
         </a:bodyPr>
         <a:lstStyle/>
         <a:p>
-          <a:pPr lvl="0" algn="ctr" defTabSz="2755900">
+          <a:pPr lvl="0" algn="ctr" defTabSz="2089150">
             <a:lnSpc>
               <a:spcPct val="90000"/>
             </a:lnSpc>
@@ -2861,15 +2861,15 @@
             </a:spcAft>
           </a:pPr>
           <a:r>
-            <a:rPr lang="en-US" sz="6200" kern="1200" dirty="0" smtClean="0"/>
+            <a:rPr lang="en-US" sz="4700" kern="1200" dirty="0" smtClean="0"/>
             <a:t>Design</a:t>
           </a:r>
-          <a:endParaRPr lang="en-US" sz="6200" kern="1200" dirty="0"/>
+          <a:endParaRPr lang="en-US" sz="4700" kern="1200" dirty="0"/>
         </a:p>
       </dsp:txBody>
       <dsp:txXfrm>
-        <a:off x="1967569" y="404"/>
-        <a:ext cx="2245827" cy="1497218"/>
+        <a:off x="574833" y="704049"/>
+        <a:ext cx="1720215" cy="1146810"/>
       </dsp:txXfrm>
     </dsp:sp>
     <dsp:sp modelId="{23028266-97DC-434F-85D1-5CA19A6E94BF}">
@@ -2879,8 +2879,8 @@
       </dsp:nvSpPr>
       <dsp:spPr>
         <a:xfrm>
-          <a:off x="4475410" y="127667"/>
-          <a:ext cx="3106728" cy="1242691"/>
+          <a:off x="2495740" y="801528"/>
+          <a:ext cx="2379630" cy="951852"/>
         </a:xfrm>
         <a:prstGeom prst="chevron">
           <a:avLst/>
@@ -2923,12 +2923,12 @@
         <a:fontRef idx="minor"/>
       </dsp:style>
       <dsp:txBody>
-        <a:bodyPr spcFirstLastPara="0" vert="horz" wrap="square" lIns="35560" tIns="17780" rIns="0" bIns="17780" numCol="1" spcCol="1270" anchor="ctr" anchorCtr="0">
+        <a:bodyPr spcFirstLastPara="0" vert="horz" wrap="square" lIns="27940" tIns="13970" rIns="0" bIns="13970" numCol="1" spcCol="1270" anchor="ctr" anchorCtr="0">
           <a:noAutofit/>
         </a:bodyPr>
         <a:lstStyle/>
         <a:p>
-          <a:pPr lvl="0" algn="ctr" defTabSz="1244600">
+          <a:pPr lvl="0" algn="ctr" defTabSz="977900">
             <a:lnSpc>
               <a:spcPct val="90000"/>
             </a:lnSpc>
@@ -2940,19 +2940,19 @@
             </a:spcAft>
           </a:pPr>
           <a:r>
-            <a:rPr lang="en-US" sz="2800" kern="1200" dirty="0" err="1" smtClean="0"/>
+            <a:rPr lang="en-US" sz="2200" kern="1200" dirty="0" err="1" smtClean="0"/>
             <a:t>Domian</a:t>
           </a:r>
           <a:r>
-            <a:rPr lang="en-US" sz="2800" kern="1200" dirty="0" smtClean="0"/>
+            <a:rPr lang="en-US" sz="2200" kern="1200" dirty="0" smtClean="0"/>
             <a:t> Specific Languages</a:t>
           </a:r>
-          <a:endParaRPr lang="en-US" sz="2800" kern="1200" dirty="0"/>
+          <a:endParaRPr lang="en-US" sz="2200" kern="1200" dirty="0"/>
         </a:p>
       </dsp:txBody>
       <dsp:txXfrm>
-        <a:off x="5096756" y="127667"/>
-        <a:ext cx="1864037" cy="1242691"/>
+        <a:off x="2971666" y="801528"/>
+        <a:ext cx="1427778" cy="951852"/>
       </dsp:txXfrm>
     </dsp:sp>
     <dsp:sp modelId="{33226098-B87A-4775-A52E-BA32AD56C789}">
@@ -2962,8 +2962,8 @@
       </dsp:nvSpPr>
       <dsp:spPr>
         <a:xfrm>
-          <a:off x="1218960" y="1707233"/>
-          <a:ext cx="3743045" cy="1497218"/>
+          <a:off x="1428" y="2011413"/>
+          <a:ext cx="2867025" cy="1146810"/>
         </a:xfrm>
         <a:prstGeom prst="chevron">
           <a:avLst/>
@@ -3004,12 +3004,12 @@
         </a:fontRef>
       </dsp:style>
       <dsp:txBody>
-        <a:bodyPr spcFirstLastPara="0" vert="horz" wrap="square" lIns="78740" tIns="39370" rIns="0" bIns="39370" numCol="1" spcCol="1270" anchor="ctr" anchorCtr="0">
+        <a:bodyPr spcFirstLastPara="0" vert="horz" wrap="square" lIns="59690" tIns="29845" rIns="0" bIns="29845" numCol="1" spcCol="1270" anchor="ctr" anchorCtr="0">
           <a:noAutofit/>
         </a:bodyPr>
         <a:lstStyle/>
         <a:p>
-          <a:pPr lvl="0" algn="ctr" defTabSz="2755900">
+          <a:pPr lvl="0" algn="ctr" defTabSz="2089150">
             <a:lnSpc>
               <a:spcPct val="90000"/>
             </a:lnSpc>
@@ -3021,15 +3021,15 @@
             </a:spcAft>
           </a:pPr>
           <a:r>
-            <a:rPr lang="en-US" sz="6200" kern="1200" dirty="0" smtClean="0"/>
+            <a:rPr lang="en-US" sz="4700" kern="1200" dirty="0" smtClean="0"/>
             <a:t>Verify</a:t>
           </a:r>
-          <a:endParaRPr lang="en-US" sz="6200" kern="1200" dirty="0"/>
+          <a:endParaRPr lang="en-US" sz="4700" kern="1200" dirty="0"/>
         </a:p>
       </dsp:txBody>
       <dsp:txXfrm>
-        <a:off x="1967569" y="1707233"/>
-        <a:ext cx="2245827" cy="1497218"/>
+        <a:off x="574833" y="2011413"/>
+        <a:ext cx="1720215" cy="1146810"/>
       </dsp:txXfrm>
     </dsp:sp>
     <dsp:sp modelId="{E03FD7EE-7DBB-44EE-BA8F-7718B957499F}">
@@ -3039,8 +3039,8 @@
       </dsp:nvSpPr>
       <dsp:spPr>
         <a:xfrm>
-          <a:off x="4475410" y="1834496"/>
-          <a:ext cx="3106728" cy="1242691"/>
+          <a:off x="2495740" y="2108892"/>
+          <a:ext cx="2379630" cy="951852"/>
         </a:xfrm>
         <a:prstGeom prst="chevron">
           <a:avLst/>
@@ -3083,12 +3083,12 @@
         <a:fontRef idx="minor"/>
       </dsp:style>
       <dsp:txBody>
-        <a:bodyPr spcFirstLastPara="0" vert="horz" wrap="square" lIns="35560" tIns="17780" rIns="0" bIns="17780" numCol="1" spcCol="1270" anchor="ctr" anchorCtr="0">
+        <a:bodyPr spcFirstLastPara="0" vert="horz" wrap="square" lIns="27940" tIns="13970" rIns="0" bIns="13970" numCol="1" spcCol="1270" anchor="ctr" anchorCtr="0">
           <a:noAutofit/>
         </a:bodyPr>
         <a:lstStyle/>
         <a:p>
-          <a:pPr lvl="0" algn="ctr" defTabSz="1244600">
+          <a:pPr lvl="0" algn="ctr" defTabSz="977900">
             <a:lnSpc>
               <a:spcPct val="90000"/>
             </a:lnSpc>
@@ -3100,15 +3100,15 @@
             </a:spcAft>
           </a:pPr>
           <a:r>
-            <a:rPr lang="en-US" sz="2800" kern="1200" dirty="0" smtClean="0"/>
+            <a:rPr lang="en-US" sz="2200" kern="1200" dirty="0" smtClean="0"/>
             <a:t>Analysis</a:t>
           </a:r>
-          <a:endParaRPr lang="en-US" sz="2800" kern="1200" dirty="0"/>
+          <a:endParaRPr lang="en-US" sz="2200" kern="1200" dirty="0"/>
         </a:p>
       </dsp:txBody>
       <dsp:txXfrm>
-        <a:off x="5096756" y="1834496"/>
-        <a:ext cx="1864037" cy="1242691"/>
+        <a:off x="2971666" y="2108892"/>
+        <a:ext cx="1427778" cy="951852"/>
       </dsp:txXfrm>
     </dsp:sp>
     <dsp:sp modelId="{3C1A690E-42C1-4EB3-A155-F1BB63442FD1}">
@@ -3118,8 +3118,8 @@
       </dsp:nvSpPr>
       <dsp:spPr>
         <a:xfrm>
-          <a:off x="1218960" y="3414062"/>
-          <a:ext cx="3743045" cy="1497218"/>
+          <a:off x="1428" y="3318776"/>
+          <a:ext cx="2867025" cy="1146810"/>
         </a:xfrm>
         <a:prstGeom prst="chevron">
           <a:avLst/>
@@ -3160,12 +3160,12 @@
         </a:fontRef>
       </dsp:style>
       <dsp:txBody>
-        <a:bodyPr spcFirstLastPara="0" vert="horz" wrap="square" lIns="78740" tIns="39370" rIns="0" bIns="39370" numCol="1" spcCol="1270" anchor="ctr" anchorCtr="0">
+        <a:bodyPr spcFirstLastPara="0" vert="horz" wrap="square" lIns="59690" tIns="29845" rIns="0" bIns="29845" numCol="1" spcCol="1270" anchor="ctr" anchorCtr="0">
           <a:noAutofit/>
         </a:bodyPr>
         <a:lstStyle/>
         <a:p>
-          <a:pPr lvl="0" algn="ctr" defTabSz="2755900">
+          <a:pPr lvl="0" algn="ctr" defTabSz="2089150">
             <a:lnSpc>
               <a:spcPct val="90000"/>
             </a:lnSpc>
@@ -3177,15 +3177,15 @@
             </a:spcAft>
           </a:pPr>
           <a:r>
-            <a:rPr lang="en-US" sz="6200" kern="1200" dirty="0" smtClean="0"/>
+            <a:rPr lang="en-US" sz="4700" kern="1200" dirty="0" smtClean="0"/>
             <a:t>Build</a:t>
           </a:r>
-          <a:endParaRPr lang="en-US" sz="6200" kern="1200" dirty="0"/>
+          <a:endParaRPr lang="en-US" sz="4700" kern="1200" dirty="0"/>
         </a:p>
       </dsp:txBody>
       <dsp:txXfrm>
-        <a:off x="1967569" y="3414062"/>
-        <a:ext cx="2245827" cy="1497218"/>
+        <a:off x="574833" y="3318776"/>
+        <a:ext cx="1720215" cy="1146810"/>
       </dsp:txXfrm>
     </dsp:sp>
     <dsp:sp modelId="{EE24338E-5454-4D12-934C-AEF83EFB709E}">
@@ -3195,8 +3195,8 @@
       </dsp:nvSpPr>
       <dsp:spPr>
         <a:xfrm>
-          <a:off x="4475410" y="3541325"/>
-          <a:ext cx="3106728" cy="1242691"/>
+          <a:off x="2495740" y="3416255"/>
+          <a:ext cx="2379630" cy="951852"/>
         </a:xfrm>
         <a:prstGeom prst="chevron">
           <a:avLst/>
@@ -3239,12 +3239,12 @@
         <a:fontRef idx="minor"/>
       </dsp:style>
       <dsp:txBody>
-        <a:bodyPr spcFirstLastPara="0" vert="horz" wrap="square" lIns="35560" tIns="17780" rIns="0" bIns="17780" numCol="1" spcCol="1270" anchor="ctr" anchorCtr="0">
+        <a:bodyPr spcFirstLastPara="0" vert="horz" wrap="square" lIns="27940" tIns="13970" rIns="0" bIns="13970" numCol="1" spcCol="1270" anchor="ctr" anchorCtr="0">
           <a:noAutofit/>
         </a:bodyPr>
         <a:lstStyle/>
         <a:p>
-          <a:pPr lvl="0" algn="ctr" defTabSz="1244600">
+          <a:pPr lvl="0" algn="ctr" defTabSz="977900">
             <a:lnSpc>
               <a:spcPct val="90000"/>
             </a:lnSpc>
@@ -3256,15 +3256,15 @@
             </a:spcAft>
           </a:pPr>
           <a:r>
-            <a:rPr lang="en-US" sz="2800" kern="1200" smtClean="0"/>
+            <a:rPr lang="en-US" sz="2200" kern="1200" smtClean="0"/>
             <a:t>Code Genaration</a:t>
           </a:r>
-          <a:endParaRPr lang="en-US" sz="2800" kern="1200" dirty="0"/>
+          <a:endParaRPr lang="en-US" sz="2200" kern="1200" dirty="0"/>
         </a:p>
       </dsp:txBody>
       <dsp:txXfrm>
-        <a:off x="5096756" y="3541325"/>
-        <a:ext cx="1864037" cy="1242691"/>
+        <a:off x="2971666" y="3416255"/>
+        <a:ext cx="1427778" cy="951852"/>
       </dsp:txXfrm>
     </dsp:sp>
     <dsp:sp modelId="{B9D97609-36EC-4878-A9ED-2D98856557E1}">
@@ -3274,8 +3274,8 @@
       </dsp:nvSpPr>
       <dsp:spPr>
         <a:xfrm>
-          <a:off x="1218960" y="5120891"/>
-          <a:ext cx="3743045" cy="1497218"/>
+          <a:off x="1428" y="4626140"/>
+          <a:ext cx="2867025" cy="1146810"/>
         </a:xfrm>
         <a:prstGeom prst="chevron">
           <a:avLst/>
@@ -3316,12 +3316,12 @@
         </a:fontRef>
       </dsp:style>
       <dsp:txBody>
-        <a:bodyPr spcFirstLastPara="0" vert="horz" wrap="square" lIns="78740" tIns="39370" rIns="0" bIns="39370" numCol="1" spcCol="1270" anchor="ctr" anchorCtr="0">
+        <a:bodyPr spcFirstLastPara="0" vert="horz" wrap="square" lIns="59690" tIns="29845" rIns="0" bIns="29845" numCol="1" spcCol="1270" anchor="ctr" anchorCtr="0">
           <a:noAutofit/>
         </a:bodyPr>
         <a:lstStyle/>
         <a:p>
-          <a:pPr lvl="0" algn="ctr" defTabSz="2755900">
+          <a:pPr lvl="0" algn="ctr" defTabSz="2089150">
             <a:lnSpc>
               <a:spcPct val="90000"/>
             </a:lnSpc>
@@ -3333,15 +3333,15 @@
             </a:spcAft>
           </a:pPr>
           <a:r>
-            <a:rPr lang="en-US" sz="6200" kern="1200" dirty="0" smtClean="0"/>
+            <a:rPr lang="en-US" sz="4700" kern="1200" dirty="0" smtClean="0"/>
             <a:t>Run</a:t>
           </a:r>
-          <a:endParaRPr lang="en-US" sz="6200" kern="1200" dirty="0"/>
+          <a:endParaRPr lang="en-US" sz="4700" kern="1200" dirty="0"/>
         </a:p>
       </dsp:txBody>
       <dsp:txXfrm>
-        <a:off x="1967569" y="5120891"/>
-        <a:ext cx="2245827" cy="1497218"/>
+        <a:off x="574833" y="4626140"/>
+        <a:ext cx="1720215" cy="1146810"/>
       </dsp:txXfrm>
     </dsp:sp>
     <dsp:sp modelId="{CAF102F9-8693-4D3D-9196-AAFCEC2572B7}">
@@ -3351,8 +3351,8 @@
       </dsp:nvSpPr>
       <dsp:spPr>
         <a:xfrm>
-          <a:off x="4475410" y="5248154"/>
-          <a:ext cx="3106728" cy="1242691"/>
+          <a:off x="2495740" y="4723618"/>
+          <a:ext cx="2379630" cy="951852"/>
         </a:xfrm>
         <a:prstGeom prst="chevron">
           <a:avLst/>
@@ -3395,12 +3395,12 @@
         <a:fontRef idx="minor"/>
       </dsp:style>
       <dsp:txBody>
-        <a:bodyPr spcFirstLastPara="0" vert="horz" wrap="square" lIns="35560" tIns="17780" rIns="0" bIns="17780" numCol="1" spcCol="1270" anchor="ctr" anchorCtr="0">
+        <a:bodyPr spcFirstLastPara="0" vert="horz" wrap="square" lIns="27940" tIns="13970" rIns="0" bIns="13970" numCol="1" spcCol="1270" anchor="ctr" anchorCtr="0">
           <a:noAutofit/>
         </a:bodyPr>
         <a:lstStyle/>
         <a:p>
-          <a:pPr lvl="0" algn="ctr" defTabSz="1244600">
+          <a:pPr lvl="0" algn="ctr" defTabSz="977900">
             <a:lnSpc>
               <a:spcPct val="90000"/>
             </a:lnSpc>
@@ -3412,15 +3412,15 @@
             </a:spcAft>
           </a:pPr>
           <a:r>
-            <a:rPr lang="en-US" sz="2800" kern="1200" dirty="0" smtClean="0"/>
+            <a:rPr lang="en-US" sz="2200" kern="1200" dirty="0" smtClean="0"/>
             <a:t>Platforms</a:t>
           </a:r>
-          <a:endParaRPr lang="en-US" sz="2800" kern="1200" dirty="0"/>
+          <a:endParaRPr lang="en-US" sz="2200" kern="1200" dirty="0"/>
         </a:p>
       </dsp:txBody>
       <dsp:txXfrm>
-        <a:off x="5096756" y="5248154"/>
-        <a:ext cx="1864037" cy="1242691"/>
+        <a:off x="2971666" y="4723618"/>
+        <a:ext cx="1427778" cy="951852"/>
       </dsp:txXfrm>
     </dsp:sp>
   </dsp:spTree>
@@ -3442,8 +3442,8 @@
       </dsp:nvSpPr>
       <dsp:spPr>
         <a:xfrm>
-          <a:off x="3499404" y="-188061"/>
-          <a:ext cx="2495587" cy="2495841"/>
+          <a:off x="1077849" y="86411"/>
+          <a:ext cx="1868622" cy="1868812"/>
         </a:xfrm>
         <a:prstGeom prst="circularArrow">
           <a:avLst>
@@ -3497,8 +3497,8 @@
       </dsp:nvSpPr>
       <dsp:spPr>
         <a:xfrm>
-          <a:off x="4050390" y="903427"/>
-          <a:ext cx="1392679" cy="696267"/>
+          <a:off x="1490411" y="903685"/>
+          <a:ext cx="1042797" cy="521344"/>
         </a:xfrm>
         <a:prstGeom prst="rect">
           <a:avLst/>
@@ -3522,12 +3522,12 @@
         <a:fontRef idx="minor"/>
       </dsp:style>
       <dsp:txBody>
-        <a:bodyPr spcFirstLastPara="0" vert="horz" wrap="square" lIns="28575" tIns="28575" rIns="28575" bIns="28575" numCol="1" spcCol="1270" anchor="ctr" anchorCtr="0">
+        <a:bodyPr spcFirstLastPara="0" vert="horz" wrap="square" lIns="21590" tIns="21590" rIns="21590" bIns="21590" numCol="1" spcCol="1270" anchor="ctr" anchorCtr="0">
           <a:noAutofit/>
         </a:bodyPr>
         <a:lstStyle/>
         <a:p>
-          <a:pPr lvl="0" algn="ctr" defTabSz="2000250">
+          <a:pPr lvl="0" algn="ctr" defTabSz="1511300">
             <a:lnSpc>
               <a:spcPct val="90000"/>
             </a:lnSpc>
@@ -3539,15 +3539,15 @@
             </a:spcAft>
           </a:pPr>
           <a:r>
-            <a:rPr lang="en-US" sz="4500" kern="1200" dirty="0" smtClean="0"/>
+            <a:rPr lang="en-US" sz="3400" kern="1200" dirty="0" smtClean="0"/>
             <a:t> </a:t>
           </a:r>
-          <a:endParaRPr lang="en-US" sz="4500" kern="1200" dirty="0"/>
+          <a:endParaRPr lang="en-US" sz="3400" kern="1200" dirty="0"/>
         </a:p>
       </dsp:txBody>
       <dsp:txXfrm>
-        <a:off x="4050390" y="903427"/>
-        <a:ext cx="1392679" cy="696267"/>
+        <a:off x="1490411" y="903685"/>
+        <a:ext cx="1042797" cy="521344"/>
       </dsp:txXfrm>
     </dsp:sp>
     <dsp:sp modelId="{2A1B0A08-8CCD-4DB6-A13F-083C42B5A0C7}">
@@ -3557,8 +3557,8 @@
       </dsp:nvSpPr>
       <dsp:spPr>
         <a:xfrm>
-          <a:off x="2806107" y="1317177"/>
-          <a:ext cx="2495587" cy="2495841"/>
+          <a:off x="558728" y="1213489"/>
+          <a:ext cx="1868622" cy="1868812"/>
         </a:xfrm>
         <a:prstGeom prst="leftCircularArrow">
           <a:avLst>
@@ -3612,8 +3612,8 @@
       </dsp:nvSpPr>
       <dsp:spPr>
         <a:xfrm>
-          <a:off x="3354285" y="2340306"/>
-          <a:ext cx="1392679" cy="696267"/>
+          <a:off x="969187" y="1979578"/>
+          <a:ext cx="1042797" cy="521344"/>
         </a:xfrm>
         <a:prstGeom prst="rect">
           <a:avLst/>
@@ -3637,12 +3637,12 @@
         <a:fontRef idx="minor"/>
       </dsp:style>
       <dsp:txBody>
-        <a:bodyPr spcFirstLastPara="0" vert="horz" wrap="square" lIns="28575" tIns="28575" rIns="28575" bIns="28575" numCol="1" spcCol="1270" anchor="ctr" anchorCtr="0">
+        <a:bodyPr spcFirstLastPara="0" vert="horz" wrap="square" lIns="21590" tIns="21590" rIns="21590" bIns="21590" numCol="1" spcCol="1270" anchor="ctr" anchorCtr="0">
           <a:noAutofit/>
         </a:bodyPr>
         <a:lstStyle/>
         <a:p>
-          <a:pPr lvl="0" algn="ctr" defTabSz="2000250">
+          <a:pPr lvl="0" algn="ctr" defTabSz="1511300">
             <a:lnSpc>
               <a:spcPct val="90000"/>
             </a:lnSpc>
@@ -3653,12 +3653,12 @@
               <a:spcPct val="35000"/>
             </a:spcAft>
           </a:pPr>
-          <a:endParaRPr lang="en-US" sz="4500" kern="1200"/>
+          <a:endParaRPr lang="en-US" sz="3400" kern="1200"/>
         </a:p>
       </dsp:txBody>
       <dsp:txXfrm>
-        <a:off x="3354285" y="2340306"/>
-        <a:ext cx="1392679" cy="696267"/>
+        <a:off x="969187" y="1979578"/>
+        <a:ext cx="1042797" cy="521344"/>
       </dsp:txXfrm>
     </dsp:sp>
     <dsp:sp modelId="{DA8A23E1-0E69-4386-B5AE-3DBDB30575E1}">
@@ -3668,8 +3668,8 @@
       </dsp:nvSpPr>
       <dsp:spPr>
         <a:xfrm>
-          <a:off x="3559598" y="2917361"/>
-          <a:ext cx="2495587" cy="2495841"/>
+          <a:off x="1122920" y="2411659"/>
+          <a:ext cx="1868622" cy="1868812"/>
         </a:xfrm>
         <a:prstGeom prst="circularArrow">
           <a:avLst>
@@ -3723,8 +3723,8 @@
       </dsp:nvSpPr>
       <dsp:spPr>
         <a:xfrm>
-          <a:off x="4050390" y="3777185"/>
-          <a:ext cx="1392679" cy="696267"/>
+          <a:off x="1490411" y="3055471"/>
+          <a:ext cx="1042797" cy="521344"/>
         </a:xfrm>
         <a:prstGeom prst="rect">
           <a:avLst/>
@@ -3748,12 +3748,12 @@
         <a:fontRef idx="minor"/>
       </dsp:style>
       <dsp:txBody>
-        <a:bodyPr spcFirstLastPara="0" vert="horz" wrap="square" lIns="28575" tIns="28575" rIns="28575" bIns="28575" numCol="1" spcCol="1270" anchor="ctr" anchorCtr="0">
+        <a:bodyPr spcFirstLastPara="0" vert="horz" wrap="square" lIns="21590" tIns="21590" rIns="21590" bIns="21590" numCol="1" spcCol="1270" anchor="ctr" anchorCtr="0">
           <a:noAutofit/>
         </a:bodyPr>
         <a:lstStyle/>
         <a:p>
-          <a:pPr lvl="0" algn="ctr" defTabSz="2000250">
+          <a:pPr lvl="0" algn="ctr" defTabSz="1511300">
             <a:lnSpc>
               <a:spcPct val="90000"/>
             </a:lnSpc>
@@ -3765,15 +3765,15 @@
             </a:spcAft>
           </a:pPr>
           <a:r>
-            <a:rPr lang="en-US" sz="4500" kern="1200" dirty="0" smtClean="0"/>
+            <a:rPr lang="en-US" sz="3400" kern="1200" dirty="0" smtClean="0"/>
             <a:t> </a:t>
           </a:r>
-          <a:endParaRPr lang="en-US" sz="4500" kern="1200" dirty="0"/>
+          <a:endParaRPr lang="en-US" sz="3400" kern="1200" dirty="0"/>
         </a:p>
       </dsp:txBody>
       <dsp:txXfrm>
-        <a:off x="4050390" y="3777185"/>
-        <a:ext cx="1392679" cy="696267"/>
+        <a:off x="1490411" y="3055471"/>
+        <a:ext cx="1042797" cy="521344"/>
       </dsp:txXfrm>
     </dsp:sp>
     <dsp:sp modelId="{B0EDB0C6-82D7-48EE-A7DF-8A5085C0E8E0}">
@@ -3783,8 +3783,8 @@
       </dsp:nvSpPr>
       <dsp:spPr>
         <a:xfrm>
-          <a:off x="3159591" y="4517577"/>
-          <a:ext cx="2144023" cy="2145060"/>
+          <a:off x="823407" y="3609854"/>
+          <a:ext cx="1605381" cy="1606157"/>
         </a:xfrm>
         <a:prstGeom prst="blockArc">
           <a:avLst>
@@ -3836,8 +3836,8 @@
       </dsp:nvSpPr>
       <dsp:spPr>
         <a:xfrm>
-          <a:off x="3354285" y="5214065"/>
-          <a:ext cx="1392679" cy="696267"/>
+          <a:off x="969187" y="4131364"/>
+          <a:ext cx="1042797" cy="521344"/>
         </a:xfrm>
         <a:prstGeom prst="rect">
           <a:avLst/>
@@ -3861,12 +3861,12 @@
         <a:fontRef idx="minor"/>
       </dsp:style>
       <dsp:txBody>
-        <a:bodyPr spcFirstLastPara="0" vert="horz" wrap="square" lIns="28575" tIns="28575" rIns="28575" bIns="28575" numCol="1" spcCol="1270" anchor="ctr" anchorCtr="0">
+        <a:bodyPr spcFirstLastPara="0" vert="horz" wrap="square" lIns="21590" tIns="21590" rIns="21590" bIns="21590" numCol="1" spcCol="1270" anchor="ctr" anchorCtr="0">
           <a:noAutofit/>
         </a:bodyPr>
         <a:lstStyle/>
         <a:p>
-          <a:pPr lvl="0" algn="ctr" defTabSz="2000250">
+          <a:pPr lvl="0" algn="ctr" defTabSz="1511300">
             <a:lnSpc>
               <a:spcPct val="90000"/>
             </a:lnSpc>
@@ -3878,15 +3878,15 @@
             </a:spcAft>
           </a:pPr>
           <a:r>
-            <a:rPr lang="en-US" sz="4500" kern="1200" dirty="0" smtClean="0"/>
+            <a:rPr lang="en-US" sz="3400" kern="1200" dirty="0" smtClean="0"/>
             <a:t> </a:t>
           </a:r>
-          <a:endParaRPr lang="en-US" sz="4500" kern="1200" dirty="0"/>
+          <a:endParaRPr lang="en-US" sz="3400" kern="1200" dirty="0"/>
         </a:p>
       </dsp:txBody>
       <dsp:txXfrm>
-        <a:off x="3354285" y="5214065"/>
-        <a:ext cx="1392679" cy="696267"/>
+        <a:off x="969187" y="4131364"/>
+        <a:ext cx="1042797" cy="521344"/>
       </dsp:txXfrm>
     </dsp:sp>
   </dsp:spTree>
@@ -8400,7 +8400,7 @@
           <a:p>
             <a:fld id="{D7F481C5-31F3-49DE-8EFC-FEAAB7356B04}" type="datetimeFigureOut">
               <a:rPr lang="en-US" smtClean="0"/>
-              <a:t>3/21/2015</a:t>
+              <a:t>3/22/2015</a:t>
             </a:fld>
             <a:endParaRPr lang="en-US"/>
           </a:p>
@@ -8418,8 +8418,8 @@
         </p:nvSpPr>
         <p:spPr>
           <a:xfrm>
-            <a:off x="1071563" y="685800"/>
-            <a:ext cx="4714875" cy="3429000"/>
+            <a:off x="1714500" y="685800"/>
+            <a:ext cx="3429000" cy="3429000"/>
           </a:xfrm>
           <a:prstGeom prst="rect">
             <a:avLst/>
@@ -8697,8 +8697,8 @@
         </p:nvSpPr>
         <p:spPr>
           <a:xfrm>
-            <a:off x="1071563" y="685800"/>
-            <a:ext cx="4714875" cy="3429000"/>
+            <a:off x="1714500" y="685800"/>
+            <a:ext cx="3429000" cy="3429000"/>
           </a:xfrm>
         </p:spPr>
       </p:sp>
@@ -8786,8 +8786,8 @@
         </p:nvSpPr>
         <p:spPr>
           <a:xfrm>
-            <a:off x="754380" y="2272460"/>
-            <a:ext cx="8549640" cy="1568029"/>
+            <a:off x="548640" y="2272461"/>
+            <a:ext cx="6217920" cy="1568029"/>
           </a:xfrm>
         </p:spPr>
         <p:txBody>
@@ -8814,8 +8814,8 @@
         </p:nvSpPr>
         <p:spPr>
           <a:xfrm>
-            <a:off x="1508760" y="4145280"/>
-            <a:ext cx="7040880" cy="1869440"/>
+            <a:off x="1097280" y="4145280"/>
+            <a:ext cx="5120640" cy="1869440"/>
           </a:xfrm>
         </p:spPr>
         <p:txBody>
@@ -8939,7 +8939,7 @@
             <a:fld id="{1D8BD707-D9CF-40AE-B4C6-C98DA3205C09}" type="datetimeFigureOut">
               <a:rPr lang="en-US" smtClean="0"/>
               <a:pPr/>
-              <a:t>3/21/2015</a:t>
+              <a:t>3/22/2015</a:t>
             </a:fld>
             <a:endParaRPr lang="en-US"/>
           </a:p>
@@ -9106,7 +9106,7 @@
             <a:fld id="{1D8BD707-D9CF-40AE-B4C6-C98DA3205C09}" type="datetimeFigureOut">
               <a:rPr lang="en-US" smtClean="0"/>
               <a:pPr/>
-              <a:t>3/21/2015</a:t>
+              <a:t>3/22/2015</a:t>
             </a:fld>
             <a:endParaRPr lang="en-US"/>
           </a:p>
@@ -9192,8 +9192,8 @@
         </p:nvSpPr>
         <p:spPr>
           <a:xfrm>
-            <a:off x="7292340" y="292956"/>
-            <a:ext cx="2263140" cy="6241629"/>
+            <a:off x="5303520" y="292957"/>
+            <a:ext cx="1645920" cy="6241629"/>
           </a:xfrm>
         </p:spPr>
         <p:txBody>
@@ -9220,8 +9220,8 @@
         </p:nvSpPr>
         <p:spPr>
           <a:xfrm>
-            <a:off x="502920" y="292956"/>
-            <a:ext cx="6621780" cy="6241629"/>
+            <a:off x="365760" y="292957"/>
+            <a:ext cx="4815840" cy="6241629"/>
           </a:xfrm>
         </p:spPr>
         <p:txBody>
@@ -9283,7 +9283,7 @@
             <a:fld id="{1D8BD707-D9CF-40AE-B4C6-C98DA3205C09}" type="datetimeFigureOut">
               <a:rPr lang="en-US" smtClean="0"/>
               <a:pPr/>
-              <a:t>3/21/2015</a:t>
+              <a:t>3/22/2015</a:t>
             </a:fld>
             <a:endParaRPr lang="en-US"/>
           </a:p>
@@ -9450,7 +9450,7 @@
             <a:fld id="{1D8BD707-D9CF-40AE-B4C6-C98DA3205C09}" type="datetimeFigureOut">
               <a:rPr lang="en-US" smtClean="0"/>
               <a:pPr/>
-              <a:t>3/21/2015</a:t>
+              <a:t>3/22/2015</a:t>
             </a:fld>
             <a:endParaRPr lang="en-US"/>
           </a:p>
@@ -9536,8 +9536,8 @@
         </p:nvSpPr>
         <p:spPr>
           <a:xfrm>
-            <a:off x="794547" y="4700693"/>
-            <a:ext cx="8549640" cy="1452880"/>
+            <a:off x="577852" y="4700693"/>
+            <a:ext cx="6217920" cy="1452880"/>
           </a:xfrm>
         </p:spPr>
         <p:txBody>
@@ -9568,8 +9568,8 @@
         </p:nvSpPr>
         <p:spPr>
           <a:xfrm>
-            <a:off x="794547" y="3100499"/>
-            <a:ext cx="8549640" cy="1600200"/>
+            <a:off x="577852" y="3100499"/>
+            <a:ext cx="6217920" cy="1600200"/>
           </a:xfrm>
         </p:spPr>
         <p:txBody>
@@ -9693,7 +9693,7 @@
             <a:fld id="{1D8BD707-D9CF-40AE-B4C6-C98DA3205C09}" type="datetimeFigureOut">
               <a:rPr lang="en-US" smtClean="0"/>
               <a:pPr/>
-              <a:t>3/21/2015</a:t>
+              <a:t>3/22/2015</a:t>
             </a:fld>
             <a:endParaRPr lang="en-US"/>
           </a:p>
@@ -9802,8 +9802,8 @@
         </p:nvSpPr>
         <p:spPr>
           <a:xfrm>
-            <a:off x="502920" y="1706883"/>
-            <a:ext cx="4442460" cy="4827693"/>
+            <a:off x="365760" y="1706884"/>
+            <a:ext cx="3230880" cy="4827693"/>
           </a:xfrm>
         </p:spPr>
         <p:txBody>
@@ -9887,8 +9887,8 @@
         </p:nvSpPr>
         <p:spPr>
           <a:xfrm>
-            <a:off x="5113020" y="1706883"/>
-            <a:ext cx="4442460" cy="4827693"/>
+            <a:off x="3718560" y="1706884"/>
+            <a:ext cx="3230880" cy="4827693"/>
           </a:xfrm>
         </p:spPr>
         <p:txBody>
@@ -9978,7 +9978,7 @@
             <a:fld id="{1D8BD707-D9CF-40AE-B4C6-C98DA3205C09}" type="datetimeFigureOut">
               <a:rPr lang="en-US" smtClean="0"/>
               <a:pPr/>
-              <a:t>3/21/2015</a:t>
+              <a:t>3/22/2015</a:t>
             </a:fld>
             <a:endParaRPr lang="en-US"/>
           </a:p>
@@ -10091,8 +10091,8 @@
         </p:nvSpPr>
         <p:spPr>
           <a:xfrm>
-            <a:off x="502929" y="1637459"/>
-            <a:ext cx="4444204" cy="682413"/>
+            <a:off x="365767" y="1637460"/>
+            <a:ext cx="3232148" cy="682413"/>
           </a:xfrm>
         </p:spPr>
         <p:txBody>
@@ -10156,8 +10156,8 @@
         </p:nvSpPr>
         <p:spPr>
           <a:xfrm>
-            <a:off x="502929" y="2319870"/>
-            <a:ext cx="4444204" cy="4214709"/>
+            <a:off x="365767" y="2319871"/>
+            <a:ext cx="3232148" cy="4214709"/>
           </a:xfrm>
         </p:spPr>
         <p:txBody>
@@ -10241,8 +10241,8 @@
         </p:nvSpPr>
         <p:spPr>
           <a:xfrm>
-            <a:off x="5109538" y="1637459"/>
-            <a:ext cx="4445953" cy="682413"/>
+            <a:off x="3716028" y="1637460"/>
+            <a:ext cx="3233420" cy="682413"/>
           </a:xfrm>
         </p:spPr>
         <p:txBody>
@@ -10306,8 +10306,8 @@
         </p:nvSpPr>
         <p:spPr>
           <a:xfrm>
-            <a:off x="5109538" y="2319870"/>
-            <a:ext cx="4445953" cy="4214709"/>
+            <a:off x="3716028" y="2319871"/>
+            <a:ext cx="3233420" cy="4214709"/>
           </a:xfrm>
         </p:spPr>
         <p:txBody>
@@ -10397,7 +10397,7 @@
             <a:fld id="{1D8BD707-D9CF-40AE-B4C6-C98DA3205C09}" type="datetimeFigureOut">
               <a:rPr lang="en-US" smtClean="0"/>
               <a:pPr/>
-              <a:t>3/21/2015</a:t>
+              <a:t>3/22/2015</a:t>
             </a:fld>
             <a:endParaRPr lang="en-US"/>
           </a:p>
@@ -10512,7 +10512,7 @@
             <a:fld id="{1D8BD707-D9CF-40AE-B4C6-C98DA3205C09}" type="datetimeFigureOut">
               <a:rPr lang="en-US" smtClean="0"/>
               <a:pPr/>
-              <a:t>3/21/2015</a:t>
+              <a:t>3/22/2015</a:t>
             </a:fld>
             <a:endParaRPr lang="en-US"/>
           </a:p>
@@ -10604,7 +10604,7 @@
             <a:fld id="{1D8BD707-D9CF-40AE-B4C6-C98DA3205C09}" type="datetimeFigureOut">
               <a:rPr lang="en-US" smtClean="0"/>
               <a:pPr/>
-              <a:t>3/21/2015</a:t>
+              <a:t>3/22/2015</a:t>
             </a:fld>
             <a:endParaRPr lang="en-US"/>
           </a:p>
@@ -10690,8 +10690,8 @@
         </p:nvSpPr>
         <p:spPr>
           <a:xfrm>
-            <a:off x="502930" y="291253"/>
-            <a:ext cx="3309147" cy="1239520"/>
+            <a:off x="365768" y="291253"/>
+            <a:ext cx="2406652" cy="1239520"/>
           </a:xfrm>
         </p:spPr>
         <p:txBody>
@@ -10722,8 +10722,8 @@
         </p:nvSpPr>
         <p:spPr>
           <a:xfrm>
-            <a:off x="3932556" y="291262"/>
-            <a:ext cx="5622925" cy="6243320"/>
+            <a:off x="2860041" y="291262"/>
+            <a:ext cx="4089400" cy="6243320"/>
           </a:xfrm>
         </p:spPr>
         <p:txBody>
@@ -10807,8 +10807,8 @@
         </p:nvSpPr>
         <p:spPr>
           <a:xfrm>
-            <a:off x="502930" y="1530782"/>
-            <a:ext cx="3309147" cy="5003800"/>
+            <a:off x="365768" y="1530782"/>
+            <a:ext cx="2406652" cy="5003800"/>
           </a:xfrm>
         </p:spPr>
         <p:txBody>
@@ -10878,7 +10878,7 @@
             <a:fld id="{1D8BD707-D9CF-40AE-B4C6-C98DA3205C09}" type="datetimeFigureOut">
               <a:rPr lang="en-US" smtClean="0"/>
               <a:pPr/>
-              <a:t>3/21/2015</a:t>
+              <a:t>3/22/2015</a:t>
             </a:fld>
             <a:endParaRPr lang="en-US"/>
           </a:p>
@@ -10964,8 +10964,8 @@
         </p:nvSpPr>
         <p:spPr>
           <a:xfrm>
-            <a:off x="1971514" y="5120646"/>
-            <a:ext cx="6035040" cy="604520"/>
+            <a:off x="1433828" y="5120646"/>
+            <a:ext cx="4389120" cy="604520"/>
           </a:xfrm>
         </p:spPr>
         <p:txBody>
@@ -10996,8 +10996,8 @@
         </p:nvSpPr>
         <p:spPr>
           <a:xfrm>
-            <a:off x="1971514" y="653629"/>
-            <a:ext cx="6035040" cy="4389120"/>
+            <a:off x="1433828" y="653629"/>
+            <a:ext cx="4389120" cy="4389120"/>
           </a:xfrm>
         </p:spPr>
         <p:txBody>
@@ -11057,8 +11057,8 @@
         </p:nvSpPr>
         <p:spPr>
           <a:xfrm>
-            <a:off x="1971514" y="5725166"/>
-            <a:ext cx="6035040" cy="858520"/>
+            <a:off x="1433828" y="5725166"/>
+            <a:ext cx="4389120" cy="858520"/>
           </a:xfrm>
         </p:spPr>
         <p:txBody>
@@ -11128,7 +11128,7 @@
             <a:fld id="{1D8BD707-D9CF-40AE-B4C6-C98DA3205C09}" type="datetimeFigureOut">
               <a:rPr lang="en-US" smtClean="0"/>
               <a:pPr/>
-              <a:t>3/21/2015</a:t>
+              <a:t>3/22/2015</a:t>
             </a:fld>
             <a:endParaRPr lang="en-US"/>
           </a:p>
@@ -11219,8 +11219,8 @@
         </p:nvSpPr>
         <p:spPr>
           <a:xfrm>
-            <a:off x="502920" y="292949"/>
-            <a:ext cx="9052560" cy="1219200"/>
+            <a:off x="365760" y="292949"/>
+            <a:ext cx="6583680" cy="1219200"/>
           </a:xfrm>
           <a:prstGeom prst="rect">
             <a:avLst/>
@@ -11252,8 +11252,8 @@
         </p:nvSpPr>
         <p:spPr>
           <a:xfrm>
-            <a:off x="502920" y="1706883"/>
-            <a:ext cx="9052560" cy="4827693"/>
+            <a:off x="365760" y="1706884"/>
+            <a:ext cx="6583680" cy="4827693"/>
           </a:xfrm>
           <a:prstGeom prst="rect">
             <a:avLst/>
@@ -11314,8 +11314,8 @@
         </p:nvSpPr>
         <p:spPr>
           <a:xfrm>
-            <a:off x="502920" y="6780116"/>
-            <a:ext cx="2346960" cy="389469"/>
+            <a:off x="365760" y="6780117"/>
+            <a:ext cx="1706880" cy="389469"/>
           </a:xfrm>
           <a:prstGeom prst="rect">
             <a:avLst/>
@@ -11338,7 +11338,7 @@
             <a:fld id="{1D8BD707-D9CF-40AE-B4C6-C98DA3205C09}" type="datetimeFigureOut">
               <a:rPr lang="en-US" smtClean="0"/>
               <a:pPr/>
-              <a:t>3/21/2015</a:t>
+              <a:t>3/22/2015</a:t>
             </a:fld>
             <a:endParaRPr lang="en-US"/>
           </a:p>
@@ -11356,8 +11356,8 @@
         </p:nvSpPr>
         <p:spPr>
           <a:xfrm>
-            <a:off x="3436620" y="6780116"/>
-            <a:ext cx="3185160" cy="389469"/>
+            <a:off x="2499360" y="6780117"/>
+            <a:ext cx="2316480" cy="389469"/>
           </a:xfrm>
           <a:prstGeom prst="rect">
             <a:avLst/>
@@ -11393,8 +11393,8 @@
         </p:nvSpPr>
         <p:spPr>
           <a:xfrm>
-            <a:off x="7208520" y="6780116"/>
-            <a:ext cx="2346960" cy="389469"/>
+            <a:off x="5242560" y="6780117"/>
+            <a:ext cx="1706880" cy="389469"/>
           </a:xfrm>
           <a:prstGeom prst="rect">
             <a:avLst/>
@@ -11716,14 +11716,14 @@
           <p:nvPr>
             <p:extLst>
               <p:ext uri="{D42A27DB-BD31-4B8C-83A1-F6EECF244321}">
-                <p14:modId xmlns:p14="http://schemas.microsoft.com/office/powerpoint/2010/main" val="3615783641"/>
+                <p14:modId xmlns:p14="http://schemas.microsoft.com/office/powerpoint/2010/main" val="3009640005"/>
               </p:ext>
             </p:extLst>
           </p:nvPr>
         </p:nvGraphicFramePr>
         <p:xfrm>
-          <a:off x="2171700" y="435429"/>
-          <a:ext cx="8801100" cy="6618514"/>
+          <a:off x="2362200" y="381000"/>
+          <a:ext cx="4876800" cy="6477000"/>
         </p:xfrm>
         <a:graphic>
           <a:graphicData uri="http://schemas.openxmlformats.org/drawingml/2006/diagram">
@@ -11738,14 +11738,14 @@
           <p:nvPr>
             <p:extLst>
               <p:ext uri="{D42A27DB-BD31-4B8C-83A1-F6EECF244321}">
-                <p14:modId xmlns:p14="http://schemas.microsoft.com/office/powerpoint/2010/main" val="275570772"/>
+                <p14:modId xmlns:p14="http://schemas.microsoft.com/office/powerpoint/2010/main" val="3548605689"/>
               </p:ext>
             </p:extLst>
           </p:nvPr>
         </p:nvGraphicFramePr>
         <p:xfrm>
-          <a:off x="-2590800" y="435429"/>
-          <a:ext cx="8801100" cy="6618514"/>
+          <a:off x="-609600" y="914400"/>
+          <a:ext cx="3505200" cy="5410200"/>
         </p:xfrm>
         <a:graphic>
           <a:graphicData uri="http://schemas.openxmlformats.org/drawingml/2006/diagram">
